--- a/artifacts/demo/SmartRecon.pptx
+++ b/artifacts/demo/SmartRecon.pptx
@@ -112,6 +112,11 @@
       </a:defRPr>
     </a:lvl9pPr>
   </p:defaultTextStyle>
+  <p:extLst>
+    <p:ext uri="{EFAFB233-063F-42B5-8137-9DF3F51BA10A}">
+      <p15:sldGuideLst xmlns:p15="http://schemas.microsoft.com/office/powerpoint/2012/main"/>
+    </p:ext>
+  </p:extLst>
 </p:presentation>
 </file>
 
@@ -3429,7 +3434,29 @@
             </a:pPr>
             <a:r>
               <a:rPr lang="en-IN" sz="1800" dirty="0"/>
-              <a:t>Sai Tejaswi Avvaru</a:t>
+              <a:t>Team: AI-newbies</a:t>
+            </a:r>
+          </a:p>
+          <a:p>
+            <a:pPr marL="0" indent="0">
+              <a:buNone/>
+            </a:pPr>
+            <a:r>
+              <a:rPr lang="en-IN" sz="1800"/>
+              <a:t>Members:</a:t>
+            </a:r>
+          </a:p>
+          <a:p>
+            <a:pPr marL="0" indent="0">
+              <a:buNone/>
+            </a:pPr>
+            <a:r>
+              <a:rPr lang="en-IN" sz="1800"/>
+              <a:t>Sai </a:t>
+            </a:r>
+            <a:r>
+              <a:rPr lang="en-IN" sz="1800" dirty="0"/>
+              <a:t>Tejaswi Avvaru</a:t>
             </a:r>
           </a:p>
           <a:p>
